--- a/PPT/02) 1일차-Keras Layers & Models.pptx
+++ b/PPT/02) 1일차-Keras Layers & Models.pptx
@@ -218,7 +218,7 @@
           <a:p>
             <a:fld id="{1B6E3774-0E21-4466-89FE-47F912FC75D3}" type="datetimeFigureOut">
               <a:rPr lang="ko-KR" altLang="en-US" smtClean="0"/>
-              <a:t>2020-08-04</a:t>
+              <a:t>2020-08-08</a:t>
             </a:fld>
             <a:endParaRPr lang="ko-KR" altLang="en-US"/>
           </a:p>
@@ -790,7 +790,7 @@
           <a:p>
             <a:fld id="{ACDEFF3B-8A07-4FB1-9BE4-BDB72A1F7CD9}" type="datetimeFigureOut">
               <a:rPr lang="ko-KR" altLang="en-US" smtClean="0"/>
-              <a:t>2020-08-04</a:t>
+              <a:t>2020-08-08</a:t>
             </a:fld>
             <a:endParaRPr lang="ko-KR" altLang="en-US"/>
           </a:p>
@@ -960,7 +960,7 @@
           <a:p>
             <a:fld id="{ACDEFF3B-8A07-4FB1-9BE4-BDB72A1F7CD9}" type="datetimeFigureOut">
               <a:rPr lang="ko-KR" altLang="en-US" smtClean="0"/>
-              <a:t>2020-08-04</a:t>
+              <a:t>2020-08-08</a:t>
             </a:fld>
             <a:endParaRPr lang="ko-KR" altLang="en-US"/>
           </a:p>
@@ -1140,7 +1140,7 @@
           <a:p>
             <a:fld id="{ACDEFF3B-8A07-4FB1-9BE4-BDB72A1F7CD9}" type="datetimeFigureOut">
               <a:rPr lang="ko-KR" altLang="en-US" smtClean="0"/>
-              <a:t>2020-08-04</a:t>
+              <a:t>2020-08-08</a:t>
             </a:fld>
             <a:endParaRPr lang="ko-KR" altLang="en-US"/>
           </a:p>
@@ -1310,7 +1310,7 @@
           <a:p>
             <a:fld id="{ACDEFF3B-8A07-4FB1-9BE4-BDB72A1F7CD9}" type="datetimeFigureOut">
               <a:rPr lang="ko-KR" altLang="en-US" smtClean="0"/>
-              <a:t>2020-08-04</a:t>
+              <a:t>2020-08-08</a:t>
             </a:fld>
             <a:endParaRPr lang="ko-KR" altLang="en-US"/>
           </a:p>
@@ -1556,7 +1556,7 @@
           <a:p>
             <a:fld id="{ACDEFF3B-8A07-4FB1-9BE4-BDB72A1F7CD9}" type="datetimeFigureOut">
               <a:rPr lang="ko-KR" altLang="en-US" smtClean="0"/>
-              <a:t>2020-08-04</a:t>
+              <a:t>2020-08-08</a:t>
             </a:fld>
             <a:endParaRPr lang="ko-KR" altLang="en-US"/>
           </a:p>
@@ -1788,7 +1788,7 @@
           <a:p>
             <a:fld id="{ACDEFF3B-8A07-4FB1-9BE4-BDB72A1F7CD9}" type="datetimeFigureOut">
               <a:rPr lang="ko-KR" altLang="en-US" smtClean="0"/>
-              <a:t>2020-08-04</a:t>
+              <a:t>2020-08-08</a:t>
             </a:fld>
             <a:endParaRPr lang="ko-KR" altLang="en-US"/>
           </a:p>
@@ -2155,7 +2155,7 @@
           <a:p>
             <a:fld id="{ACDEFF3B-8A07-4FB1-9BE4-BDB72A1F7CD9}" type="datetimeFigureOut">
               <a:rPr lang="ko-KR" altLang="en-US" smtClean="0"/>
-              <a:t>2020-08-04</a:t>
+              <a:t>2020-08-08</a:t>
             </a:fld>
             <a:endParaRPr lang="ko-KR" altLang="en-US"/>
           </a:p>
@@ -2273,7 +2273,7 @@
           <a:p>
             <a:fld id="{ACDEFF3B-8A07-4FB1-9BE4-BDB72A1F7CD9}" type="datetimeFigureOut">
               <a:rPr lang="ko-KR" altLang="en-US" smtClean="0"/>
-              <a:t>2020-08-04</a:t>
+              <a:t>2020-08-08</a:t>
             </a:fld>
             <a:endParaRPr lang="ko-KR" altLang="en-US"/>
           </a:p>
@@ -2368,7 +2368,7 @@
           <a:p>
             <a:fld id="{ACDEFF3B-8A07-4FB1-9BE4-BDB72A1F7CD9}" type="datetimeFigureOut">
               <a:rPr lang="ko-KR" altLang="en-US" smtClean="0"/>
-              <a:t>2020-08-04</a:t>
+              <a:t>2020-08-08</a:t>
             </a:fld>
             <a:endParaRPr lang="ko-KR" altLang="en-US"/>
           </a:p>
@@ -2645,7 +2645,7 @@
           <a:p>
             <a:fld id="{ACDEFF3B-8A07-4FB1-9BE4-BDB72A1F7CD9}" type="datetimeFigureOut">
               <a:rPr lang="ko-KR" altLang="en-US" smtClean="0"/>
-              <a:t>2020-08-04</a:t>
+              <a:t>2020-08-08</a:t>
             </a:fld>
             <a:endParaRPr lang="ko-KR" altLang="en-US"/>
           </a:p>
@@ -2898,7 +2898,7 @@
           <a:p>
             <a:fld id="{ACDEFF3B-8A07-4FB1-9BE4-BDB72A1F7CD9}" type="datetimeFigureOut">
               <a:rPr lang="ko-KR" altLang="en-US" smtClean="0"/>
-              <a:t>2020-08-04</a:t>
+              <a:t>2020-08-08</a:t>
             </a:fld>
             <a:endParaRPr lang="ko-KR" altLang="en-US"/>
           </a:p>
@@ -3111,7 +3111,7 @@
           <a:p>
             <a:fld id="{ACDEFF3B-8A07-4FB1-9BE4-BDB72A1F7CD9}" type="datetimeFigureOut">
               <a:rPr lang="ko-KR" altLang="en-US" smtClean="0"/>
-              <a:t>2020-08-04</a:t>
+              <a:t>2020-08-08</a:t>
             </a:fld>
             <a:endParaRPr lang="ko-KR" altLang="en-US"/>
           </a:p>
@@ -8532,7 +8532,15 @@
                   <a:schemeClr val="tx1"/>
                 </a:solidFill>
               </a:rPr>
-              <a:t>Sequential()</a:t>
+              <a:t>Sequential</a:t>
+            </a:r>
+            <a:r>
+              <a:rPr lang="en-US" altLang="ko-KR" sz="3200" dirty="0" smtClean="0">
+                <a:solidFill>
+                  <a:schemeClr val="tx1"/>
+                </a:solidFill>
+              </a:rPr>
+              <a:t>()</a:t>
             </a:r>
             <a:endParaRPr lang="ko-KR" altLang="en-US" sz="3200" dirty="0">
               <a:solidFill>
@@ -8621,7 +8629,7 @@
         </p:nvSpPr>
         <p:spPr>
           <a:xfrm>
-            <a:off x="9011101" y="2314113"/>
+            <a:off x="9011100" y="2311480"/>
             <a:ext cx="1952513" cy="367977"/>
           </a:xfrm>
           <a:prstGeom prst="rect">
@@ -8693,9 +8701,8 @@
             </a:r>
             <a:r>
               <a:rPr lang="en-US" altLang="ko-KR" dirty="0" smtClean="0"/>
-              <a:t>1</a:t>
-            </a:r>
-            <a:endParaRPr lang="ko-KR" altLang="en-US" dirty="0"/>
+              <a:t>1 </a:t>
+            </a:r>
           </a:p>
         </p:txBody>
       </p:sp>
@@ -9621,7 +9628,15 @@
                   <a:schemeClr val="tx1"/>
                 </a:solidFill>
               </a:rPr>
-              <a:t>Model()</a:t>
+              <a:t>Model</a:t>
+            </a:r>
+            <a:r>
+              <a:rPr lang="en-US" altLang="ko-KR" sz="3200" dirty="0" smtClean="0">
+                <a:solidFill>
+                  <a:schemeClr val="tx1"/>
+                </a:solidFill>
+              </a:rPr>
+              <a:t>()</a:t>
             </a:r>
             <a:endParaRPr lang="ko-KR" altLang="en-US" sz="3200" dirty="0">
               <a:solidFill>
